--- a/PPT Snake Game.pptx
+++ b/PPT Snake Game.pptx
@@ -15531,7 +15531,7 @@
               <a:t> </a:t>
             </a:r>
             <a:r>
-              <a:rPr lang="en-US" sz="2400" i="1" dirty="0" err="1">
+              <a:rPr lang="en-US" sz="2400" b="1" i="1" dirty="0" err="1">
                 <a:solidFill>
                   <a:schemeClr val="tx1">
                     <a:lumMod val="85000"/>
@@ -15544,7 +15544,7 @@
               <a:t>menggunakan</a:t>
             </a:r>
             <a:r>
-              <a:rPr lang="en-US" sz="2400" i="1" dirty="0">
+              <a:rPr lang="en-US" sz="2400" b="1" i="1" dirty="0">
                 <a:solidFill>
                   <a:schemeClr val="tx1">
                     <a:lumMod val="85000"/>
@@ -15554,10 +15554,10 @@
                 <a:latin typeface="Montserrat"/>
                 <a:cs typeface="Arial" panose="020B0604020202020204" pitchFamily="34" charset="0"/>
               </a:rPr>
-              <a:t> struct dan </a:t>
+              <a:t> struct, </a:t>
             </a:r>
             <a:r>
-              <a:rPr lang="en-US" sz="2400" i="1" dirty="0" err="1">
+              <a:rPr lang="en-US" sz="2400" b="1" i="1" dirty="0" err="1">
                 <a:solidFill>
                   <a:schemeClr val="tx1">
                     <a:lumMod val="85000"/>
@@ -15570,7 +15570,7 @@
               <a:t>koordinat</a:t>
             </a:r>
             <a:r>
-              <a:rPr lang="en-US" sz="2400" i="1" dirty="0">
+              <a:rPr lang="en-US" sz="2400" b="1" i="1" dirty="0">
                 <a:solidFill>
                   <a:schemeClr val="tx1">
                     <a:lumMod val="85000"/>
@@ -15580,10 +15580,36 @@
                 <a:latin typeface="Montserrat"/>
                 <a:cs typeface="Arial" panose="020B0604020202020204" pitchFamily="34" charset="0"/>
               </a:rPr>
-              <a:t> pada </a:t>
+              <a:t>, </a:t>
             </a:r>
             <a:r>
-              <a:rPr lang="en-US" sz="2400" i="1" dirty="0" err="1">
+              <a:rPr lang="en-US" sz="2400" b="1" i="1" dirty="0" err="1">
+                <a:solidFill>
+                  <a:schemeClr val="tx1">
+                    <a:lumMod val="85000"/>
+                    <a:lumOff val="15000"/>
+                  </a:schemeClr>
+                </a:solidFill>
+                <a:latin typeface="Montserrat"/>
+                <a:cs typeface="Arial" panose="020B0604020202020204" pitchFamily="34" charset="0"/>
+              </a:rPr>
+              <a:t>linkedlist</a:t>
+            </a:r>
+            <a:r>
+              <a:rPr lang="en-US" sz="2400" b="1" i="1" dirty="0">
+                <a:solidFill>
+                  <a:schemeClr val="tx1">
+                    <a:lumMod val="85000"/>
+                    <a:lumOff val="15000"/>
+                  </a:schemeClr>
+                </a:solidFill>
+                <a:latin typeface="Montserrat"/>
+                <a:cs typeface="Arial" panose="020B0604020202020204" pitchFamily="34" charset="0"/>
+              </a:rPr>
+              <a:t>, dan file handling pada </a:t>
+            </a:r>
+            <a:r>
+              <a:rPr lang="en-US" sz="2400" b="1" i="1" dirty="0" err="1">
                 <a:solidFill>
                   <a:schemeClr val="tx1">
                     <a:lumMod val="85000"/>
@@ -15595,7 +15621,7 @@
               </a:rPr>
               <a:t>konsol</a:t>
             </a:r>
-            <a:endParaRPr lang="en-US" sz="2400" dirty="0">
+            <a:endParaRPr lang="en-US" sz="2400" b="1" dirty="0">
               <a:solidFill>
                 <a:schemeClr val="tx1">
                   <a:lumMod val="85000"/>
@@ -16065,7 +16091,7 @@
               <a:t> oleh </a:t>
             </a:r>
             <a:r>
-              <a:rPr lang="en-US" sz="2400" dirty="0" err="1">
+              <a:rPr lang="en-US" sz="2400" b="1" dirty="0" err="1">
                 <a:latin typeface="Montserrat"/>
                 <a:cs typeface="Arial" panose="020B0604020202020204" pitchFamily="34" charset="0"/>
               </a:rPr>
@@ -16079,21 +16105,21 @@
               <a:t> dan </a:t>
             </a:r>
             <a:r>
-              <a:rPr lang="en-US" sz="2400" dirty="0" err="1">
+              <a:rPr lang="en-US" sz="2400" b="1" dirty="0" err="1">
                 <a:latin typeface="Montserrat"/>
                 <a:cs typeface="Arial" panose="020B0604020202020204" pitchFamily="34" charset="0"/>
               </a:rPr>
               <a:t>kecepatan</a:t>
             </a:r>
             <a:r>
-              <a:rPr lang="en-US" sz="2400" dirty="0">
+              <a:rPr lang="en-US" sz="2400" b="1" dirty="0">
                 <a:latin typeface="Montserrat"/>
                 <a:cs typeface="Arial" panose="020B0604020202020204" pitchFamily="34" charset="0"/>
               </a:rPr>
               <a:t> </a:t>
             </a:r>
             <a:r>
-              <a:rPr lang="en-US" sz="2400" dirty="0" err="1">
+              <a:rPr lang="en-US" sz="2400" b="1" dirty="0" err="1">
                 <a:latin typeface="Montserrat"/>
                 <a:cs typeface="Arial" panose="020B0604020202020204" pitchFamily="34" charset="0"/>
               </a:rPr>
@@ -18140,7 +18166,7 @@
         </p:blipFill>
         <p:spPr>
           <a:xfrm>
-            <a:off x="2458086" y="85247"/>
+            <a:off x="2458086" y="232727"/>
             <a:ext cx="7047617" cy="6324447"/>
           </a:xfrm>
           <a:prstGeom prst="rect">
@@ -21987,13 +22013,13 @@
   <p:clrMapOvr>
     <a:masterClrMapping/>
   </p:clrMapOvr>
-  <mc:AlternateContent xmlns:mc="http://schemas.openxmlformats.org/markup-compatibility/2006">
-    <mc:Choice xmlns:p159="http://schemas.microsoft.com/office/powerpoint/2015/09/main" Requires="p159">
+  <mc:AlternateContent xmlns:mc="http://schemas.openxmlformats.org/markup-compatibility/2006" xmlns:p159="http://schemas.microsoft.com/office/powerpoint/2015/09/main">
+    <mc:Choice Requires="p159">
       <p:transition spd="med">
         <p159:morph option="byObject"/>
       </p:transition>
     </mc:Choice>
-    <mc:Fallback>
+    <mc:Fallback xmlns="">
       <p:transition spd="med">
         <p:fade/>
       </p:transition>
